--- a/Day2/Project/AFSWorkshop.semicolons.pptx
+++ b/Day2/Project/AFSWorkshop.semicolons.pptx
@@ -3845,14 +3845,17 @@
         </p:nvSpPr>
         <p:spPr>
           <a:xfrm>
-            <a:off x="852765" y="4692907"/>
-            <a:ext cx="8229617" cy="369332"/>
+            <a:off x="852766" y="4692907"/>
+            <a:ext cx="6307452" cy="369332"/>
           </a:xfrm>
           <a:prstGeom prst="rect">
             <a:avLst/>
           </a:prstGeom>
           <a:solidFill>
-            <a:schemeClr val="tx1"/>
+            <a:schemeClr val="accent5">
+              <a:lumMod val="20000"/>
+              <a:lumOff val="80000"/>
+            </a:schemeClr>
           </a:solidFill>
         </p:spPr>
         <p:txBody>
@@ -3887,13 +3890,16 @@
         <p:spPr>
           <a:xfrm>
             <a:off x="852766" y="3244334"/>
-            <a:ext cx="8229617" cy="369332"/>
+            <a:ext cx="6578671" cy="369332"/>
           </a:xfrm>
           <a:prstGeom prst="rect">
             <a:avLst/>
           </a:prstGeom>
           <a:solidFill>
-            <a:schemeClr val="tx1"/>
+            <a:schemeClr val="accent5">
+              <a:lumMod val="20000"/>
+              <a:lumOff val="80000"/>
+            </a:schemeClr>
           </a:solidFill>
         </p:spPr>
         <p:txBody>
@@ -3928,13 +3934,16 @@
         <p:spPr>
           <a:xfrm>
             <a:off x="852765" y="5519291"/>
-            <a:ext cx="8229617" cy="646331"/>
+            <a:ext cx="8438469" cy="646331"/>
           </a:xfrm>
           <a:prstGeom prst="rect">
             <a:avLst/>
           </a:prstGeom>
           <a:solidFill>
-            <a:schemeClr val="tx1"/>
+            <a:schemeClr val="accent5">
+              <a:lumMod val="20000"/>
+              <a:lumOff val="80000"/>
+            </a:schemeClr>
           </a:solidFill>
         </p:spPr>
         <p:txBody>
@@ -4670,7 +4679,7 @@
         <p:spPr>
           <a:xfrm>
             <a:off x="446369" y="1905506"/>
-            <a:ext cx="5649631" cy="2677656"/>
+            <a:ext cx="5649631" cy="1200329"/>
           </a:xfrm>
           <a:prstGeom prst="rect">
             <a:avLst/>
@@ -4687,7 +4696,7 @@
               <a:buAutoNum type="arabicPeriod"/>
             </a:pPr>
             <a:r>
-              <a:rPr lang="en-US" sz="2400" dirty="0">
+              <a:rPr lang="en-US" dirty="0">
                 <a:solidFill>
                   <a:schemeClr val="bg1"/>
                 </a:solidFill>
@@ -4695,12 +4704,7 @@
               </a:rPr>
               <a:t>Are people more or less semicolon literate?</a:t>
             </a:r>
-          </a:p>
-          <a:p>
-            <a:pPr marL="342900" indent="-342900">
-              <a:buAutoNum type="arabicPeriod"/>
-            </a:pPr>
-            <a:endParaRPr lang="en-US" sz="2400" dirty="0">
+            <a:endParaRPr lang="en-US" dirty="0">
               <a:solidFill>
                 <a:schemeClr val="bg1"/>
               </a:solidFill>
@@ -4713,7 +4717,7 @@
               <a:buAutoNum type="arabicPeriod"/>
             </a:pPr>
             <a:r>
-              <a:rPr lang="en-US" sz="2400" dirty="0">
+              <a:rPr lang="en-US" dirty="0">
                 <a:solidFill>
                   <a:schemeClr val="bg1"/>
                 </a:solidFill>
@@ -4722,17 +4726,6 @@
               </a:rPr>
               <a:t>Why have semicolon searches plateaued?</a:t>
             </a:r>
-            <a:endParaRPr lang="en-US" sz="2400" i="1" dirty="0">
-              <a:solidFill>
-                <a:schemeClr val="bg1"/>
-              </a:solidFill>
-              <a:latin typeface="Garamond" panose="02020404030301010803" pitchFamily="18" charset="0"/>
-            </a:endParaRPr>
-          </a:p>
-          <a:p>
-            <a:pPr marL="342900" indent="-342900">
-              <a:buAutoNum type="arabicPeriod"/>
-            </a:pPr>
             <a:endParaRPr lang="en-US" sz="2400" dirty="0">
               <a:solidFill>
                 <a:schemeClr val="bg1"/>
@@ -4745,7 +4738,7 @@
               <a:buAutoNum type="arabicPeriod"/>
             </a:pPr>
             <a:r>
-              <a:rPr lang="en-US" sz="2400" dirty="0">
+              <a:rPr lang="en-US" dirty="0">
                 <a:solidFill>
                   <a:schemeClr val="bg1"/>
                 </a:solidFill>

--- a/Day2/Project/AFSWorkshop.semicolons.pptx
+++ b/Day2/Project/AFSWorkshop.semicolons.pptx
@@ -8,6 +8,7 @@
     <p:sldId id="256" r:id="rId2"/>
     <p:sldId id="257" r:id="rId3"/>
     <p:sldId id="258" r:id="rId4"/>
+    <p:sldId id="259" r:id="rId5"/>
   </p:sldIdLst>
   <p:sldSz cx="12192000" cy="6858000"/>
   <p:notesSz cx="6858000" cy="9144000"/>
@@ -3845,17 +3846,14 @@
         </p:nvSpPr>
         <p:spPr>
           <a:xfrm>
-            <a:off x="852766" y="4692907"/>
-            <a:ext cx="6307452" cy="369332"/>
+            <a:off x="852765" y="4692907"/>
+            <a:ext cx="8229617" cy="369332"/>
           </a:xfrm>
           <a:prstGeom prst="rect">
             <a:avLst/>
           </a:prstGeom>
           <a:solidFill>
-            <a:schemeClr val="accent5">
-              <a:lumMod val="20000"/>
-              <a:lumOff val="80000"/>
-            </a:schemeClr>
+            <a:schemeClr val="tx1"/>
           </a:solidFill>
         </p:spPr>
         <p:txBody>
@@ -3890,16 +3888,13 @@
         <p:spPr>
           <a:xfrm>
             <a:off x="852766" y="3244334"/>
-            <a:ext cx="6578671" cy="369332"/>
+            <a:ext cx="8229617" cy="369332"/>
           </a:xfrm>
           <a:prstGeom prst="rect">
             <a:avLst/>
           </a:prstGeom>
           <a:solidFill>
-            <a:schemeClr val="accent5">
-              <a:lumMod val="20000"/>
-              <a:lumOff val="80000"/>
-            </a:schemeClr>
+            <a:schemeClr val="tx1"/>
           </a:solidFill>
         </p:spPr>
         <p:txBody>
@@ -3934,16 +3929,13 @@
         <p:spPr>
           <a:xfrm>
             <a:off x="852765" y="5519291"/>
-            <a:ext cx="8438469" cy="646331"/>
+            <a:ext cx="8229617" cy="646331"/>
           </a:xfrm>
           <a:prstGeom prst="rect">
             <a:avLst/>
           </a:prstGeom>
           <a:solidFill>
-            <a:schemeClr val="accent5">
-              <a:lumMod val="20000"/>
-              <a:lumOff val="80000"/>
-            </a:schemeClr>
+            <a:schemeClr val="tx1"/>
           </a:solidFill>
         </p:spPr>
         <p:txBody>
@@ -4679,7 +4671,7 @@
         <p:spPr>
           <a:xfrm>
             <a:off x="446369" y="1905506"/>
-            <a:ext cx="5649631" cy="1200329"/>
+            <a:ext cx="5649631" cy="2677656"/>
           </a:xfrm>
           <a:prstGeom prst="rect">
             <a:avLst/>
@@ -4696,7 +4688,7 @@
               <a:buAutoNum type="arabicPeriod"/>
             </a:pPr>
             <a:r>
-              <a:rPr lang="en-US" dirty="0">
+              <a:rPr lang="en-US" sz="2400" dirty="0">
                 <a:solidFill>
                   <a:schemeClr val="bg1"/>
                 </a:solidFill>
@@ -4704,7 +4696,12 @@
               </a:rPr>
               <a:t>Are people more or less semicolon literate?</a:t>
             </a:r>
-            <a:endParaRPr lang="en-US" dirty="0">
+          </a:p>
+          <a:p>
+            <a:pPr marL="342900" indent="-342900">
+              <a:buAutoNum type="arabicPeriod"/>
+            </a:pPr>
+            <a:endParaRPr lang="en-US" sz="2400" dirty="0">
               <a:solidFill>
                 <a:schemeClr val="bg1"/>
               </a:solidFill>
@@ -4717,7 +4714,7 @@
               <a:buAutoNum type="arabicPeriod"/>
             </a:pPr>
             <a:r>
-              <a:rPr lang="en-US" dirty="0">
+              <a:rPr lang="en-US" sz="2400" dirty="0">
                 <a:solidFill>
                   <a:schemeClr val="bg1"/>
                 </a:solidFill>
@@ -4726,6 +4723,17 @@
               </a:rPr>
               <a:t>Why have semicolon searches plateaued?</a:t>
             </a:r>
+            <a:endParaRPr lang="en-US" sz="2400" i="1" dirty="0">
+              <a:solidFill>
+                <a:schemeClr val="bg1"/>
+              </a:solidFill>
+              <a:latin typeface="Garamond" panose="02020404030301010803" pitchFamily="18" charset="0"/>
+            </a:endParaRPr>
+          </a:p>
+          <a:p>
+            <a:pPr marL="342900" indent="-342900">
+              <a:buAutoNum type="arabicPeriod"/>
+            </a:pPr>
             <a:endParaRPr lang="en-US" sz="2400" dirty="0">
               <a:solidFill>
                 <a:schemeClr val="bg1"/>
@@ -4738,7 +4746,7 @@
               <a:buAutoNum type="arabicPeriod"/>
             </a:pPr>
             <a:r>
-              <a:rPr lang="en-US" dirty="0">
+              <a:rPr lang="en-US" sz="2400" dirty="0">
                 <a:solidFill>
                   <a:schemeClr val="bg1"/>
                 </a:solidFill>
@@ -4822,10 +4830,495 @@
           </a:prstGeom>
         </p:spPr>
       </p:pic>
+      <p:pic>
+        <p:nvPicPr>
+          <p:cNvPr id="5" name="Picture 4">
+            <a:extLst>
+              <a:ext uri="{FF2B5EF4-FFF2-40B4-BE49-F238E27FC236}">
+                <a16:creationId xmlns:a16="http://schemas.microsoft.com/office/drawing/2014/main" id="{AFCA9421-CFE9-CECA-D4DA-8476E2F3FECE}"/>
+              </a:ext>
+            </a:extLst>
+          </p:cNvPr>
+          <p:cNvPicPr>
+            <a:picLocks noChangeAspect="1"/>
+          </p:cNvPicPr>
+          <p:nvPr/>
+        </p:nvPicPr>
+        <p:blipFill>
+          <a:blip r:embed="rId7"/>
+          <a:stretch>
+            <a:fillRect/>
+          </a:stretch>
+        </p:blipFill>
+        <p:spPr>
+          <a:xfrm>
+            <a:off x="6384036" y="1262603"/>
+            <a:ext cx="5377884" cy="5188582"/>
+          </a:xfrm>
+          <a:prstGeom prst="rect">
+            <a:avLst/>
+          </a:prstGeom>
+        </p:spPr>
+      </p:pic>
+      <p:pic>
+        <p:nvPicPr>
+          <p:cNvPr id="11" name="Picture 10">
+            <a:extLst>
+              <a:ext uri="{FF2B5EF4-FFF2-40B4-BE49-F238E27FC236}">
+                <a16:creationId xmlns:a16="http://schemas.microsoft.com/office/drawing/2014/main" id="{08F4E006-1FE7-62CE-9F9F-9D1A56BA0C4D}"/>
+              </a:ext>
+            </a:extLst>
+          </p:cNvPr>
+          <p:cNvPicPr>
+            <a:picLocks noChangeAspect="1"/>
+          </p:cNvPicPr>
+          <p:nvPr/>
+        </p:nvPicPr>
+        <p:blipFill>
+          <a:blip r:embed="rId8"/>
+          <a:stretch>
+            <a:fillRect/>
+          </a:stretch>
+        </p:blipFill>
+        <p:spPr>
+          <a:xfrm>
+            <a:off x="6338946" y="1262602"/>
+            <a:ext cx="5422974" cy="5275705"/>
+          </a:xfrm>
+          <a:prstGeom prst="rect">
+            <a:avLst/>
+          </a:prstGeom>
+        </p:spPr>
+      </p:pic>
     </p:spTree>
     <p:extLst>
       <p:ext uri="{BB962C8B-B14F-4D97-AF65-F5344CB8AC3E}">
         <p14:creationId xmlns:p14="http://schemas.microsoft.com/office/powerpoint/2010/main" val="3772522352"/>
+      </p:ext>
+    </p:extLst>
+  </p:cSld>
+  <p:clrMapOvr>
+    <a:masterClrMapping/>
+  </p:clrMapOvr>
+  <p:timing>
+    <p:tnLst>
+      <p:par>
+        <p:cTn id="1" dur="indefinite" restart="never" nodeType="tmRoot">
+          <p:childTnLst>
+            <p:seq concurrent="1" nextAc="seek">
+              <p:cTn id="2" dur="indefinite" nodeType="mainSeq">
+                <p:childTnLst>
+                  <p:par>
+                    <p:cTn id="3" fill="hold">
+                      <p:stCondLst>
+                        <p:cond delay="indefinite"/>
+                      </p:stCondLst>
+                      <p:childTnLst>
+                        <p:par>
+                          <p:cTn id="4" fill="hold">
+                            <p:stCondLst>
+                              <p:cond delay="0"/>
+                            </p:stCondLst>
+                            <p:childTnLst>
+                              <p:par>
+                                <p:cTn id="5" presetID="10" presetClass="entr" presetSubtype="0" fill="hold" nodeType="clickEffect">
+                                  <p:stCondLst>
+                                    <p:cond delay="0"/>
+                                  </p:stCondLst>
+                                  <p:childTnLst>
+                                    <p:set>
+                                      <p:cBhvr>
+                                        <p:cTn id="6" dur="1" fill="hold">
+                                          <p:stCondLst>
+                                            <p:cond delay="0"/>
+                                          </p:stCondLst>
+                                        </p:cTn>
+                                        <p:tgtEl>
+                                          <p:spTgt spid="5"/>
+                                        </p:tgtEl>
+                                        <p:attrNameLst>
+                                          <p:attrName>style.visibility</p:attrName>
+                                        </p:attrNameLst>
+                                      </p:cBhvr>
+                                      <p:to>
+                                        <p:strVal val="visible"/>
+                                      </p:to>
+                                    </p:set>
+                                    <p:animEffect transition="in" filter="fade">
+                                      <p:cBhvr>
+                                        <p:cTn id="7" dur="500"/>
+                                        <p:tgtEl>
+                                          <p:spTgt spid="5"/>
+                                        </p:tgtEl>
+                                      </p:cBhvr>
+                                    </p:animEffect>
+                                  </p:childTnLst>
+                                </p:cTn>
+                              </p:par>
+                            </p:childTnLst>
+                          </p:cTn>
+                        </p:par>
+                      </p:childTnLst>
+                    </p:cTn>
+                  </p:par>
+                  <p:par>
+                    <p:cTn id="8" fill="hold">
+                      <p:stCondLst>
+                        <p:cond delay="indefinite"/>
+                      </p:stCondLst>
+                      <p:childTnLst>
+                        <p:par>
+                          <p:cTn id="9" fill="hold">
+                            <p:stCondLst>
+                              <p:cond delay="0"/>
+                            </p:stCondLst>
+                            <p:childTnLst>
+                              <p:par>
+                                <p:cTn id="10" presetID="10" presetClass="entr" presetSubtype="0" fill="hold" nodeType="clickEffect">
+                                  <p:stCondLst>
+                                    <p:cond delay="0"/>
+                                  </p:stCondLst>
+                                  <p:childTnLst>
+                                    <p:set>
+                                      <p:cBhvr>
+                                        <p:cTn id="11" dur="1" fill="hold">
+                                          <p:stCondLst>
+                                            <p:cond delay="0"/>
+                                          </p:stCondLst>
+                                        </p:cTn>
+                                        <p:tgtEl>
+                                          <p:spTgt spid="11"/>
+                                        </p:tgtEl>
+                                        <p:attrNameLst>
+                                          <p:attrName>style.visibility</p:attrName>
+                                        </p:attrNameLst>
+                                      </p:cBhvr>
+                                      <p:to>
+                                        <p:strVal val="visible"/>
+                                      </p:to>
+                                    </p:set>
+                                    <p:animEffect transition="in" filter="fade">
+                                      <p:cBhvr>
+                                        <p:cTn id="12" dur="500"/>
+                                        <p:tgtEl>
+                                          <p:spTgt spid="11"/>
+                                        </p:tgtEl>
+                                      </p:cBhvr>
+                                    </p:animEffect>
+                                  </p:childTnLst>
+                                </p:cTn>
+                              </p:par>
+                            </p:childTnLst>
+                          </p:cTn>
+                        </p:par>
+                      </p:childTnLst>
+                    </p:cTn>
+                  </p:par>
+                </p:childTnLst>
+              </p:cTn>
+              <p:prevCondLst>
+                <p:cond evt="onPrev" delay="0">
+                  <p:tgtEl>
+                    <p:sldTgt/>
+                  </p:tgtEl>
+                </p:cond>
+              </p:prevCondLst>
+              <p:nextCondLst>
+                <p:cond evt="onNext" delay="0">
+                  <p:tgtEl>
+                    <p:sldTgt/>
+                  </p:tgtEl>
+                </p:cond>
+              </p:nextCondLst>
+            </p:seq>
+          </p:childTnLst>
+        </p:cTn>
+      </p:par>
+    </p:tnLst>
+  </p:timing>
+</p:sld>
+</file>
+
+<file path=ppt/slides/slide4.xml><?xml version="1.0" encoding="utf-8"?>
+<p:sld xmlns:a="http://schemas.openxmlformats.org/drawingml/2006/main" xmlns:r="http://schemas.openxmlformats.org/officeDocument/2006/relationships" xmlns:p="http://schemas.openxmlformats.org/presentationml/2006/main">
+  <p:cSld>
+    <p:bg>
+      <p:bgPr>
+        <a:gradFill>
+          <a:gsLst>
+            <a:gs pos="0">
+              <a:srgbClr val="B2C4D9"/>
+            </a:gs>
+            <a:gs pos="100000">
+              <a:srgbClr val="7030A0"/>
+            </a:gs>
+          </a:gsLst>
+          <a:path path="circle">
+            <a:fillToRect l="50000" t="50000" r="50000" b="50000"/>
+          </a:path>
+        </a:gradFill>
+        <a:effectLst/>
+      </p:bgPr>
+    </p:bg>
+    <p:spTree>
+      <p:nvGrpSpPr>
+        <p:cNvPr id="1" name=""/>
+        <p:cNvGrpSpPr/>
+        <p:nvPr/>
+      </p:nvGrpSpPr>
+      <p:grpSpPr>
+        <a:xfrm>
+          <a:off x="0" y="0"/>
+          <a:ext cx="0" cy="0"/>
+          <a:chOff x="0" y="0"/>
+          <a:chExt cx="0" cy="0"/>
+        </a:xfrm>
+      </p:grpSpPr>
+      <p:sp>
+        <p:nvSpPr>
+          <p:cNvPr id="2" name="Rectangle 1">
+            <a:extLst>
+              <a:ext uri="{FF2B5EF4-FFF2-40B4-BE49-F238E27FC236}">
+                <a16:creationId xmlns:a16="http://schemas.microsoft.com/office/drawing/2014/main" id="{91562368-DAC9-D250-BC28-F90ADDBA14F7}"/>
+              </a:ext>
+            </a:extLst>
+          </p:cNvPr>
+          <p:cNvSpPr/>
+          <p:nvPr/>
+        </p:nvSpPr>
+        <p:spPr>
+          <a:xfrm>
+            <a:off x="699854" y="4117709"/>
+            <a:ext cx="9220893" cy="1083556"/>
+          </a:xfrm>
+          <a:prstGeom prst="rect">
+            <a:avLst/>
+          </a:prstGeom>
+          <a:noFill/>
+        </p:spPr>
+        <p:txBody>
+          <a:bodyPr wrap="none" lIns="91440" tIns="45720" rIns="91440" bIns="45720">
+            <a:prstTxWarp prst="textCascadeUp">
+              <a:avLst/>
+            </a:prstTxWarp>
+            <a:spAutoFit/>
+          </a:bodyPr>
+          <a:lstStyle/>
+          <a:p>
+            <a:pPr algn="ctr"/>
+            <a:r>
+              <a:rPr lang="en-US" sz="5400" b="0" cap="none" spc="0" dirty="0">
+                <a:ln w="0"/>
+                <a:gradFill flip="none" rotWithShape="1">
+                  <a:gsLst>
+                    <a:gs pos="0">
+                      <a:srgbClr val="FFFF00"/>
+                    </a:gs>
+                    <a:gs pos="100000">
+                      <a:srgbClr val="7030A0"/>
+                    </a:gs>
+                  </a:gsLst>
+                  <a:path path="circle">
+                    <a:fillToRect l="50000" t="50000" r="50000" b="50000"/>
+                  </a:path>
+                  <a:tileRect/>
+                </a:gradFill>
+                <a:effectLst>
+                  <a:outerShdw blurRad="50800" dist="38100" dir="2700000" algn="tl" rotWithShape="0">
+                    <a:prstClr val="black">
+                      <a:alpha val="40000"/>
+                    </a:prstClr>
+                  </a:outerShdw>
+                  <a:reflection blurRad="6350" stA="55000" endA="50" endPos="85000" dist="29997" dir="5400000" sy="-100000" algn="bl" rotWithShape="0"/>
+                </a:effectLst>
+                <a:latin typeface="Book Antiqua" panose="02040602050305030304" pitchFamily="18" charset="0"/>
+              </a:rPr>
+              <a:t>Acknowledgements</a:t>
+            </a:r>
+          </a:p>
+        </p:txBody>
+      </p:sp>
+      <p:sp>
+        <p:nvSpPr>
+          <p:cNvPr id="3" name="TextBox 2">
+            <a:extLst>
+              <a:ext uri="{FF2B5EF4-FFF2-40B4-BE49-F238E27FC236}">
+                <a16:creationId xmlns:a16="http://schemas.microsoft.com/office/drawing/2014/main" id="{5004AE44-EB0E-4686-9D63-C70FEE8DE52F}"/>
+              </a:ext>
+            </a:extLst>
+          </p:cNvPr>
+          <p:cNvSpPr txBox="1"/>
+          <p:nvPr/>
+        </p:nvSpPr>
+        <p:spPr>
+          <a:xfrm>
+            <a:off x="1445342" y="5201265"/>
+            <a:ext cx="7688826" cy="1477328"/>
+          </a:xfrm>
+          <a:prstGeom prst="rect">
+            <a:avLst/>
+          </a:prstGeom>
+          <a:noFill/>
+        </p:spPr>
+        <p:txBody>
+          <a:bodyPr wrap="square" rtlCol="0">
+            <a:spAutoFit/>
+          </a:bodyPr>
+          <a:lstStyle/>
+          <a:p>
+            <a:r>
+              <a:rPr lang="en-US" dirty="0">
+                <a:latin typeface="Times New Roman" panose="02020603050405020304" pitchFamily="18" charset="0"/>
+                <a:cs typeface="Times New Roman" panose="02020603050405020304" pitchFamily="18" charset="0"/>
+              </a:rPr>
+              <a:t>First and foremost, I want to thank the funding agencies that make this work possible, including but not limited to: Google, Microsoft, National Institutes of Health, and the Cornell University STAR program. </a:t>
+            </a:r>
+          </a:p>
+          <a:p>
+            <a:r>
+              <a:rPr lang="en-US" dirty="0">
+                <a:latin typeface="Times New Roman" panose="02020603050405020304" pitchFamily="18" charset="0"/>
+                <a:cs typeface="Times New Roman" panose="02020603050405020304" pitchFamily="18" charset="0"/>
+              </a:rPr>
+              <a:t>I also want to thank my advisor, Nina </a:t>
+            </a:r>
+            <a:r>
+              <a:rPr lang="en-US" dirty="0" err="1">
+                <a:latin typeface="Times New Roman" panose="02020603050405020304" pitchFamily="18" charset="0"/>
+                <a:cs typeface="Times New Roman" panose="02020603050405020304" pitchFamily="18" charset="0"/>
+              </a:rPr>
+              <a:t>Therkildsen</a:t>
+            </a:r>
+            <a:r>
+              <a:rPr lang="en-US" dirty="0">
+                <a:latin typeface="Times New Roman" panose="02020603050405020304" pitchFamily="18" charset="0"/>
+                <a:cs typeface="Times New Roman" panose="02020603050405020304" pitchFamily="18" charset="0"/>
+              </a:rPr>
+              <a:t>, lab manager Harmony Borchardt-Weir, and my technician </a:t>
+            </a:r>
+            <a:r>
+              <a:rPr lang="en-US" dirty="0" err="1">
+                <a:latin typeface="Times New Roman" panose="02020603050405020304" pitchFamily="18" charset="0"/>
+                <a:cs typeface="Times New Roman" panose="02020603050405020304" pitchFamily="18" charset="0"/>
+              </a:rPr>
+              <a:t>Azwad</a:t>
+            </a:r>
+            <a:r>
+              <a:rPr lang="en-US" dirty="0">
+                <a:latin typeface="Times New Roman" panose="02020603050405020304" pitchFamily="18" charset="0"/>
+                <a:cs typeface="Times New Roman" panose="02020603050405020304" pitchFamily="18" charset="0"/>
+              </a:rPr>
+              <a:t> Iqbal. </a:t>
+            </a:r>
+          </a:p>
+        </p:txBody>
+      </p:sp>
+      <p:sp>
+        <p:nvSpPr>
+          <p:cNvPr id="4" name="Rectangle 3">
+            <a:extLst>
+              <a:ext uri="{FF2B5EF4-FFF2-40B4-BE49-F238E27FC236}">
+                <a16:creationId xmlns:a16="http://schemas.microsoft.com/office/drawing/2014/main" id="{54E89F6B-1E58-DE7D-589C-62ADA25389F7}"/>
+              </a:ext>
+            </a:extLst>
+          </p:cNvPr>
+          <p:cNvSpPr/>
+          <p:nvPr/>
+        </p:nvSpPr>
+        <p:spPr>
+          <a:xfrm>
+            <a:off x="699854" y="327374"/>
+            <a:ext cx="9220893" cy="1083556"/>
+          </a:xfrm>
+          <a:prstGeom prst="rect">
+            <a:avLst/>
+          </a:prstGeom>
+          <a:noFill/>
+        </p:spPr>
+        <p:txBody>
+          <a:bodyPr wrap="none" lIns="91440" tIns="45720" rIns="91440" bIns="45720">
+            <a:prstTxWarp prst="textCascadeUp">
+              <a:avLst/>
+            </a:prstTxWarp>
+            <a:spAutoFit/>
+          </a:bodyPr>
+          <a:lstStyle/>
+          <a:p>
+            <a:pPr algn="ctr"/>
+            <a:r>
+              <a:rPr lang="en-US" sz="5400" b="0" cap="none" spc="0" dirty="0">
+                <a:ln w="0"/>
+                <a:gradFill flip="none" rotWithShape="1">
+                  <a:gsLst>
+                    <a:gs pos="0">
+                      <a:srgbClr val="FF0000"/>
+                    </a:gs>
+                    <a:gs pos="100000">
+                      <a:srgbClr val="7030A0"/>
+                    </a:gs>
+                  </a:gsLst>
+                  <a:path path="circle">
+                    <a:fillToRect l="50000" t="50000" r="50000" b="50000"/>
+                  </a:path>
+                  <a:tileRect/>
+                </a:gradFill>
+                <a:effectLst>
+                  <a:outerShdw blurRad="50800" dist="38100" dir="2700000" algn="tl" rotWithShape="0">
+                    <a:prstClr val="black">
+                      <a:alpha val="40000"/>
+                    </a:prstClr>
+                  </a:outerShdw>
+                  <a:reflection blurRad="6350" stA="55000" endA="50" endPos="85000" dist="29997" dir="5400000" sy="-100000" algn="bl" rotWithShape="0"/>
+                </a:effectLst>
+                <a:latin typeface="Book Antiqua" panose="02040602050305030304" pitchFamily="18" charset="0"/>
+              </a:rPr>
+              <a:t>Conclusions</a:t>
+            </a:r>
+          </a:p>
+        </p:txBody>
+      </p:sp>
+      <p:sp>
+        <p:nvSpPr>
+          <p:cNvPr id="5" name="TextBox 4">
+            <a:extLst>
+              <a:ext uri="{FF2B5EF4-FFF2-40B4-BE49-F238E27FC236}">
+                <a16:creationId xmlns:a16="http://schemas.microsoft.com/office/drawing/2014/main" id="{1528E884-3529-6203-BC73-44A0AA4B81C9}"/>
+              </a:ext>
+            </a:extLst>
+          </p:cNvPr>
+          <p:cNvSpPr txBox="1"/>
+          <p:nvPr/>
+        </p:nvSpPr>
+        <p:spPr>
+          <a:xfrm>
+            <a:off x="1445342" y="1671484"/>
+            <a:ext cx="7688826" cy="1477328"/>
+          </a:xfrm>
+          <a:prstGeom prst="rect">
+            <a:avLst/>
+          </a:prstGeom>
+          <a:noFill/>
+        </p:spPr>
+        <p:txBody>
+          <a:bodyPr wrap="square" rtlCol="0">
+            <a:spAutoFit/>
+          </a:bodyPr>
+          <a:lstStyle/>
+          <a:p>
+            <a:r>
+              <a:rPr lang="en-US" dirty="0">
+                <a:latin typeface="Times New Roman" panose="02020603050405020304" pitchFamily="18" charset="0"/>
+                <a:cs typeface="Times New Roman" panose="02020603050405020304" pitchFamily="18" charset="0"/>
+              </a:rPr>
+              <a:t>It’s not clear from the data, but the increase in searches for semicolons would suggest fewer people know what they are. However, it’s possible that this uptick in searches is correlated with the adoption of the internet and search engines at large. BUT, semicolon use has dropped in English-language literature since 1800, upwards of 70%.</a:t>
+            </a:r>
+          </a:p>
+        </p:txBody>
+      </p:sp>
+    </p:spTree>
+    <p:extLst>
+      <p:ext uri="{BB962C8B-B14F-4D97-AF65-F5344CB8AC3E}">
+        <p14:creationId xmlns:p14="http://schemas.microsoft.com/office/powerpoint/2010/main" val="1754721284"/>
       </p:ext>
     </p:extLst>
   </p:cSld>
